--- a/Twitter_data_Database_Design.pptx
+++ b/Twitter_data_Database_Design.pptx
@@ -12,6 +12,8 @@
     <p:sldId id="260" r:id="rId6"/>
     <p:sldId id="261" r:id="rId7"/>
     <p:sldId id="262" r:id="rId8"/>
+    <p:sldId id="263" r:id="rId9"/>
+    <p:sldId id="264" r:id="rId10"/>
   </p:sldIdLst>
   <p:sldSz cx="12192000" cy="6858000"/>
   <p:notesSz cx="6858000" cy="9144000"/>
@@ -6092,6 +6094,419 @@
 </p:sld>
 </file>
 
+<file path=ppt/slides/slide8.xml><?xml version="1.0" encoding="utf-8"?>
+<p:sld xmlns:a="http://schemas.openxmlformats.org/drawingml/2006/main" xmlns:r="http://schemas.openxmlformats.org/officeDocument/2006/relationships" xmlns:p="http://schemas.openxmlformats.org/presentationml/2006/main">
+  <p:cSld>
+    <p:spTree>
+      <p:nvGrpSpPr>
+        <p:cNvPr id="1" name=""/>
+        <p:cNvGrpSpPr/>
+        <p:nvPr/>
+      </p:nvGrpSpPr>
+      <p:grpSpPr>
+        <a:xfrm>
+          <a:off x="0" y="0"/>
+          <a:ext cx="0" cy="0"/>
+          <a:chOff x="0" y="0"/>
+          <a:chExt cx="0" cy="0"/>
+        </a:xfrm>
+      </p:grpSpPr>
+      <p:sp>
+        <p:nvSpPr>
+          <p:cNvPr id="3" name="Content Placeholder 2">
+            <a:extLst>
+              <a:ext uri="{FF2B5EF4-FFF2-40B4-BE49-F238E27FC236}">
+                <a16:creationId xmlns:a16="http://schemas.microsoft.com/office/drawing/2014/main" id="{021E60E1-4E30-7CDF-38CC-AFFC7B11BE07}"/>
+              </a:ext>
+            </a:extLst>
+          </p:cNvPr>
+          <p:cNvSpPr>
+            <a:spLocks noGrp="1"/>
+          </p:cNvSpPr>
+          <p:nvPr>
+            <p:ph idx="1"/>
+          </p:nvPr>
+        </p:nvSpPr>
+        <p:spPr>
+          <a:xfrm>
+            <a:off x="746449" y="737118"/>
+            <a:ext cx="10607351" cy="5514392"/>
+          </a:xfrm>
+        </p:spPr>
+        <p:txBody>
+          <a:bodyPr>
+            <a:normAutofit fontScale="92500" lnSpcReduction="10000"/>
+          </a:bodyPr>
+          <a:lstStyle/>
+          <a:p>
+            <a:pPr marL="0" indent="0">
+              <a:buNone/>
+            </a:pPr>
+            <a:r>
+              <a:rPr lang="en-US" sz="1800" b="1" dirty="0"/>
+              <a:t>Conclusions:-</a:t>
+            </a:r>
+          </a:p>
+          <a:p>
+            <a:pPr marL="0" indent="0">
+              <a:buNone/>
+            </a:pPr>
+            <a:r>
+              <a:rPr lang="en-IN" sz="1800" dirty="0"/>
+              <a:t>1. Engagement Analysis</a:t>
+            </a:r>
+          </a:p>
+          <a:p>
+            <a:pPr marL="0" indent="0">
+              <a:buNone/>
+            </a:pPr>
+            <a:r>
+              <a:rPr lang="en-IN" sz="1400" dirty="0"/>
+              <a:t>Using the Tweet Engagement Table, you can gain insights into:</a:t>
+            </a:r>
+          </a:p>
+          <a:p>
+            <a:pPr marL="0" indent="0">
+              <a:buNone/>
+            </a:pPr>
+            <a:r>
+              <a:rPr lang="en-IN" sz="1400" b="1" dirty="0"/>
+              <a:t>Popular Tweets: </a:t>
+            </a:r>
+            <a:r>
+              <a:rPr lang="en-IN" sz="1400" dirty="0"/>
+              <a:t>Identify tweets with the highest number of comments, retweets, quotes, and likes. This can help you understand what type of content resonates most with the audience.</a:t>
+            </a:r>
+          </a:p>
+          <a:p>
+            <a:pPr marL="0" indent="0">
+              <a:buNone/>
+            </a:pPr>
+            <a:endParaRPr lang="en-IN" sz="1400" dirty="0"/>
+          </a:p>
+          <a:p>
+            <a:pPr marL="0" indent="0">
+              <a:buNone/>
+            </a:pPr>
+            <a:r>
+              <a:rPr lang="en-IN" sz="1800" dirty="0"/>
+              <a:t>2. Sentiment Analysis</a:t>
+            </a:r>
+          </a:p>
+          <a:p>
+            <a:pPr marL="0" indent="0">
+              <a:buNone/>
+            </a:pPr>
+            <a:r>
+              <a:rPr lang="en-IN" sz="1400" dirty="0"/>
+              <a:t>Using the Tweet Sentiment Table, you can:</a:t>
+            </a:r>
+          </a:p>
+          <a:p>
+            <a:pPr marL="0" indent="0">
+              <a:buNone/>
+            </a:pPr>
+            <a:r>
+              <a:rPr lang="en-IN" sz="1400" b="1" dirty="0"/>
+              <a:t>Overall Sentiment: </a:t>
+            </a:r>
+            <a:r>
+              <a:rPr lang="en-IN" sz="1400" dirty="0"/>
+              <a:t>Determine the general sentiment (positive, negative, neutral) of the tweets. This can provide a snapshot of public opinion towards the Commonwealth Bank.</a:t>
+            </a:r>
+          </a:p>
+          <a:p>
+            <a:pPr marL="0" indent="0">
+              <a:buNone/>
+            </a:pPr>
+            <a:r>
+              <a:rPr lang="en-IN" sz="1400" b="1" dirty="0"/>
+              <a:t>Sentiment Trends: </a:t>
+            </a:r>
+            <a:r>
+              <a:rPr lang="en-IN" sz="1400" dirty="0"/>
+              <a:t>Track how sentiment changes over time or in response to specific events or announcements.</a:t>
+            </a:r>
+          </a:p>
+          <a:p>
+            <a:pPr marL="0" indent="0">
+              <a:buNone/>
+            </a:pPr>
+            <a:r>
+              <a:rPr lang="en-IN" sz="1400" b="1" dirty="0"/>
+              <a:t>Impact of Sentiment on Engagement: </a:t>
+            </a:r>
+            <a:r>
+              <a:rPr lang="en-IN" sz="1400" dirty="0"/>
+              <a:t>Correlate sentiment scores with engagement metrics to see if positive tweets get more engagement than negative ones.</a:t>
+            </a:r>
+          </a:p>
+          <a:p>
+            <a:pPr marL="0" indent="0">
+              <a:buNone/>
+            </a:pPr>
+            <a:endParaRPr lang="en-IN" sz="1400" dirty="0"/>
+          </a:p>
+          <a:p>
+            <a:pPr marL="0" indent="0">
+              <a:buNone/>
+            </a:pPr>
+            <a:r>
+              <a:rPr lang="en-IN" sz="1800" dirty="0"/>
+              <a:t>3. Media Usage</a:t>
+            </a:r>
+          </a:p>
+          <a:p>
+            <a:pPr marL="0" indent="0">
+              <a:buNone/>
+            </a:pPr>
+            <a:r>
+              <a:rPr lang="en-IN" sz="1500" dirty="0"/>
+              <a:t>Using the Tweet Media Table, you can understand:</a:t>
+            </a:r>
+          </a:p>
+          <a:p>
+            <a:pPr marL="0" indent="0">
+              <a:buNone/>
+            </a:pPr>
+            <a:r>
+              <a:rPr lang="en-IN" sz="1500" b="1" dirty="0"/>
+              <a:t>Multimedia Impact: </a:t>
+            </a:r>
+            <a:r>
+              <a:rPr lang="en-IN" sz="1500" dirty="0"/>
+              <a:t>See how the presence of pictures, videos, and quoted posts affects engagement. Determine if tweets with media content perform better.</a:t>
+            </a:r>
+          </a:p>
+          <a:p>
+            <a:pPr marL="0" indent="0">
+              <a:buNone/>
+            </a:pPr>
+            <a:r>
+              <a:rPr lang="en-IN" sz="1500" b="1" dirty="0"/>
+              <a:t>Content Strategy: </a:t>
+            </a:r>
+            <a:r>
+              <a:rPr lang="en-IN" sz="1500" dirty="0"/>
+              <a:t>Adjust the bank’s social media strategy based on what type of media content (images, videos) is more effective in engaging the audience.</a:t>
+            </a:r>
+          </a:p>
+          <a:p>
+            <a:pPr marL="0" indent="0">
+              <a:buNone/>
+            </a:pPr>
+            <a:endParaRPr lang="en-IN" sz="1800" dirty="0"/>
+          </a:p>
+        </p:txBody>
+      </p:sp>
+    </p:spTree>
+    <p:extLst>
+      <p:ext uri="{BB962C8B-B14F-4D97-AF65-F5344CB8AC3E}">
+        <p14:creationId xmlns:p14="http://schemas.microsoft.com/office/powerpoint/2010/main" val="3974745290"/>
+      </p:ext>
+    </p:extLst>
+  </p:cSld>
+  <p:clrMapOvr>
+    <a:masterClrMapping/>
+  </p:clrMapOvr>
+</p:sld>
+</file>
+
+<file path=ppt/slides/slide9.xml><?xml version="1.0" encoding="utf-8"?>
+<p:sld xmlns:a="http://schemas.openxmlformats.org/drawingml/2006/main" xmlns:r="http://schemas.openxmlformats.org/officeDocument/2006/relationships" xmlns:p="http://schemas.openxmlformats.org/presentationml/2006/main">
+  <p:cSld>
+    <p:spTree>
+      <p:nvGrpSpPr>
+        <p:cNvPr id="1" name=""/>
+        <p:cNvGrpSpPr/>
+        <p:nvPr/>
+      </p:nvGrpSpPr>
+      <p:grpSpPr>
+        <a:xfrm>
+          <a:off x="0" y="0"/>
+          <a:ext cx="0" cy="0"/>
+          <a:chOff x="0" y="0"/>
+          <a:chExt cx="0" cy="0"/>
+        </a:xfrm>
+      </p:grpSpPr>
+      <p:sp>
+        <p:nvSpPr>
+          <p:cNvPr id="3" name="Content Placeholder 2">
+            <a:extLst>
+              <a:ext uri="{FF2B5EF4-FFF2-40B4-BE49-F238E27FC236}">
+                <a16:creationId xmlns:a16="http://schemas.microsoft.com/office/drawing/2014/main" id="{B66A7E1D-EAFD-9C78-660C-E959B9E9DBB4}"/>
+              </a:ext>
+            </a:extLst>
+          </p:cNvPr>
+          <p:cNvSpPr>
+            <a:spLocks noGrp="1"/>
+          </p:cNvSpPr>
+          <p:nvPr>
+            <p:ph idx="1"/>
+          </p:nvPr>
+        </p:nvSpPr>
+        <p:spPr>
+          <a:xfrm>
+            <a:off x="755780" y="727788"/>
+            <a:ext cx="10598020" cy="5449175"/>
+          </a:xfrm>
+        </p:spPr>
+        <p:txBody>
+          <a:bodyPr>
+            <a:normAutofit/>
+          </a:bodyPr>
+          <a:lstStyle/>
+          <a:p>
+            <a:pPr marL="0" indent="0">
+              <a:buNone/>
+            </a:pPr>
+            <a:r>
+              <a:rPr lang="en-IN" sz="1800" dirty="0"/>
+              <a:t>4. Source and Hashtag Analysis</a:t>
+            </a:r>
+          </a:p>
+          <a:p>
+            <a:pPr marL="0" indent="0">
+              <a:buNone/>
+            </a:pPr>
+            <a:r>
+              <a:rPr lang="en-IN" sz="1400" dirty="0"/>
+              <a:t>Using the Tweet Source Table, you can:</a:t>
+            </a:r>
+          </a:p>
+          <a:p>
+            <a:pPr marL="0" indent="0">
+              <a:buNone/>
+            </a:pPr>
+            <a:r>
+              <a:rPr lang="en-IN" sz="1400" b="1" dirty="0"/>
+              <a:t>Retweets and Original Posts</a:t>
+            </a:r>
+            <a:r>
+              <a:rPr lang="en-IN" sz="1400" dirty="0"/>
+              <a:t>: Identify the proportion of original tweets versus retweets. Determine if retweets contribute significantly to engagement.</a:t>
+            </a:r>
+          </a:p>
+          <a:p>
+            <a:pPr marL="0" indent="0">
+              <a:buNone/>
+            </a:pPr>
+            <a:r>
+              <a:rPr lang="en-IN" sz="1400" b="1" dirty="0"/>
+              <a:t>Pinned Tweets: </a:t>
+            </a:r>
+            <a:r>
+              <a:rPr lang="en-IN" sz="1400" dirty="0" err="1"/>
+              <a:t>Analyze</a:t>
+            </a:r>
+            <a:r>
+              <a:rPr lang="en-IN" sz="1400" dirty="0"/>
+              <a:t> if pinned tweets have higher engagement compared to regular tweets.</a:t>
+            </a:r>
+          </a:p>
+          <a:p>
+            <a:pPr marL="0" indent="0">
+              <a:buNone/>
+            </a:pPr>
+            <a:r>
+              <a:rPr lang="en-IN" sz="1400" b="1" dirty="0"/>
+              <a:t>External Links: </a:t>
+            </a:r>
+            <a:r>
+              <a:rPr lang="en-IN" sz="1400" dirty="0"/>
+              <a:t>Assess the impact of including external links on engagement metrics.</a:t>
+            </a:r>
+          </a:p>
+          <a:p>
+            <a:pPr marL="0" indent="0">
+              <a:buNone/>
+            </a:pPr>
+            <a:r>
+              <a:rPr lang="en-IN" sz="1400" b="1" dirty="0"/>
+              <a:t>Hashtag Performance: </a:t>
+            </a:r>
+            <a:r>
+              <a:rPr lang="en-IN" sz="1400" dirty="0"/>
+              <a:t>Evaluate the effectiveness of different hashtags in terms of engagement. This can help optimize the use of hashtags for better reach and interaction.</a:t>
+            </a:r>
+          </a:p>
+          <a:p>
+            <a:pPr marL="0" indent="0">
+              <a:buNone/>
+            </a:pPr>
+            <a:endParaRPr lang="en-IN" sz="1400" dirty="0"/>
+          </a:p>
+          <a:p>
+            <a:pPr marL="0" indent="0">
+              <a:buNone/>
+            </a:pPr>
+            <a:r>
+              <a:rPr lang="en-IN" sz="1800" dirty="0"/>
+              <a:t> 5. Content and Text Analysis</a:t>
+            </a:r>
+          </a:p>
+          <a:p>
+            <a:pPr marL="0" indent="0">
+              <a:buNone/>
+            </a:pPr>
+            <a:r>
+              <a:rPr lang="en-IN" sz="1400" dirty="0"/>
+              <a:t>Using the Tweet Table, you can:</a:t>
+            </a:r>
+          </a:p>
+          <a:p>
+            <a:pPr marL="0" indent="0">
+              <a:buNone/>
+            </a:pPr>
+            <a:r>
+              <a:rPr lang="en-IN" sz="1400" b="1" dirty="0"/>
+              <a:t>Topic Identification: </a:t>
+            </a:r>
+            <a:r>
+              <a:rPr lang="en-IN" sz="1400" dirty="0"/>
+              <a:t>Identify common topics or keywords in the tweets. This can help understand what issues or topics are of interest to the audience.</a:t>
+            </a:r>
+          </a:p>
+          <a:p>
+            <a:pPr marL="0" indent="0">
+              <a:buNone/>
+            </a:pPr>
+            <a:r>
+              <a:rPr lang="en-IN" sz="1400" b="1" dirty="0"/>
+              <a:t>Link Analysis: </a:t>
+            </a:r>
+            <a:r>
+              <a:rPr lang="en-IN" sz="1400" dirty="0"/>
+              <a:t>Examine the links shared in tweets to see what external content is being promoted or referenced and its impact on engagement.</a:t>
+            </a:r>
+          </a:p>
+          <a:p>
+            <a:pPr marL="0" indent="0">
+              <a:buNone/>
+            </a:pPr>
+            <a:endParaRPr lang="en-IN" sz="1400" dirty="0"/>
+          </a:p>
+          <a:p>
+            <a:pPr marL="0" indent="0">
+              <a:buNone/>
+            </a:pPr>
+            <a:endParaRPr lang="en-IN" sz="1400" dirty="0"/>
+          </a:p>
+        </p:txBody>
+      </p:sp>
+    </p:spTree>
+    <p:extLst>
+      <p:ext uri="{BB962C8B-B14F-4D97-AF65-F5344CB8AC3E}">
+        <p14:creationId xmlns:p14="http://schemas.microsoft.com/office/powerpoint/2010/main" val="655355312"/>
+      </p:ext>
+    </p:extLst>
+  </p:cSld>
+  <p:clrMapOvr>
+    <a:masterClrMapping/>
+  </p:clrMapOvr>
+</p:sld>
+</file>
+
 <file path=ppt/theme/theme1.xml><?xml version="1.0" encoding="utf-8"?>
 <a:theme xmlns:a="http://schemas.openxmlformats.org/drawingml/2006/main" name="Office Theme">
   <a:themeElements>
